--- a/Presentation/Screenshot Template.pptx
+++ b/Presentation/Screenshot Template.pptx
@@ -290,7 +290,7 @@
           <a:p>
             <a:fld id="{B04A8882-B2C8-499F-ACB1-5471080DBBF3}" type="datetimeFigureOut">
               <a:rPr lang="en-US" smtClean="0"/>
-              <a:t>1/14/2020</a:t>
+              <a:t>1/15/2020</a:t>
             </a:fld>
             <a:endParaRPr lang="en-US"/>
           </a:p>
@@ -460,7 +460,7 @@
           <a:p>
             <a:fld id="{B04A8882-B2C8-499F-ACB1-5471080DBBF3}" type="datetimeFigureOut">
               <a:rPr lang="en-US" smtClean="0"/>
-              <a:t>1/14/2020</a:t>
+              <a:t>1/15/2020</a:t>
             </a:fld>
             <a:endParaRPr lang="en-US"/>
           </a:p>
@@ -640,7 +640,7 @@
           <a:p>
             <a:fld id="{B04A8882-B2C8-499F-ACB1-5471080DBBF3}" type="datetimeFigureOut">
               <a:rPr lang="en-US" smtClean="0"/>
-              <a:t>1/14/2020</a:t>
+              <a:t>1/15/2020</a:t>
             </a:fld>
             <a:endParaRPr lang="en-US"/>
           </a:p>
@@ -810,7 +810,7 @@
           <a:p>
             <a:fld id="{B04A8882-B2C8-499F-ACB1-5471080DBBF3}" type="datetimeFigureOut">
               <a:rPr lang="en-US" smtClean="0"/>
-              <a:t>1/14/2020</a:t>
+              <a:t>1/15/2020</a:t>
             </a:fld>
             <a:endParaRPr lang="en-US"/>
           </a:p>
@@ -1056,7 +1056,7 @@
           <a:p>
             <a:fld id="{B04A8882-B2C8-499F-ACB1-5471080DBBF3}" type="datetimeFigureOut">
               <a:rPr lang="en-US" smtClean="0"/>
-              <a:t>1/14/2020</a:t>
+              <a:t>1/15/2020</a:t>
             </a:fld>
             <a:endParaRPr lang="en-US"/>
           </a:p>
@@ -1344,7 +1344,7 @@
           <a:p>
             <a:fld id="{B04A8882-B2C8-499F-ACB1-5471080DBBF3}" type="datetimeFigureOut">
               <a:rPr lang="en-US" smtClean="0"/>
-              <a:t>1/14/2020</a:t>
+              <a:t>1/15/2020</a:t>
             </a:fld>
             <a:endParaRPr lang="en-US"/>
           </a:p>
@@ -1766,7 +1766,7 @@
           <a:p>
             <a:fld id="{B04A8882-B2C8-499F-ACB1-5471080DBBF3}" type="datetimeFigureOut">
               <a:rPr lang="en-US" smtClean="0"/>
-              <a:t>1/14/2020</a:t>
+              <a:t>1/15/2020</a:t>
             </a:fld>
             <a:endParaRPr lang="en-US"/>
           </a:p>
@@ -1884,7 +1884,7 @@
           <a:p>
             <a:fld id="{B04A8882-B2C8-499F-ACB1-5471080DBBF3}" type="datetimeFigureOut">
               <a:rPr lang="en-US" smtClean="0"/>
-              <a:t>1/14/2020</a:t>
+              <a:t>1/15/2020</a:t>
             </a:fld>
             <a:endParaRPr lang="en-US"/>
           </a:p>
@@ -1979,7 +1979,7 @@
           <a:p>
             <a:fld id="{B04A8882-B2C8-499F-ACB1-5471080DBBF3}" type="datetimeFigureOut">
               <a:rPr lang="en-US" smtClean="0"/>
-              <a:t>1/14/2020</a:t>
+              <a:t>1/15/2020</a:t>
             </a:fld>
             <a:endParaRPr lang="en-US"/>
           </a:p>
@@ -2256,7 +2256,7 @@
           <a:p>
             <a:fld id="{B04A8882-B2C8-499F-ACB1-5471080DBBF3}" type="datetimeFigureOut">
               <a:rPr lang="en-US" smtClean="0"/>
-              <a:t>1/14/2020</a:t>
+              <a:t>1/15/2020</a:t>
             </a:fld>
             <a:endParaRPr lang="en-US"/>
           </a:p>
@@ -2509,7 +2509,7 @@
           <a:p>
             <a:fld id="{B04A8882-B2C8-499F-ACB1-5471080DBBF3}" type="datetimeFigureOut">
               <a:rPr lang="en-US" smtClean="0"/>
-              <a:t>1/14/2020</a:t>
+              <a:t>1/15/2020</a:t>
             </a:fld>
             <a:endParaRPr lang="en-US"/>
           </a:p>
@@ -2722,7 +2722,7 @@
           <a:p>
             <a:fld id="{B04A8882-B2C8-499F-ACB1-5471080DBBF3}" type="datetimeFigureOut">
               <a:rPr lang="en-US" smtClean="0"/>
-              <a:t>1/14/2020</a:t>
+              <a:t>1/15/2020</a:t>
             </a:fld>
             <a:endParaRPr lang="en-US"/>
           </a:p>
@@ -3165,7 +3165,7 @@
           </p:cNvPicPr>
           <p:nvPr/>
         </p:nvPicPr>
-        <p:blipFill>
+        <p:blipFill rotWithShape="1">
           <a:blip r:embed="rId2">
             <a:extLst>
               <a:ext uri="{28A0092B-C50C-407E-A947-70E740481C1C}">
@@ -3173,14 +3173,13 @@
               </a:ext>
             </a:extLst>
           </a:blip>
-          <a:stretch>
-            <a:fillRect/>
-          </a:stretch>
+          <a:srcRect l="7125" b="2812"/>
+          <a:stretch/>
         </p:blipFill>
         <p:spPr>
           <a:xfrm>
-            <a:off x="685800" y="1871841"/>
-            <a:ext cx="5334000" cy="10364350"/>
+            <a:off x="1063690" y="1871843"/>
+            <a:ext cx="4925630" cy="10015358"/>
           </a:xfrm>
           <a:prstGeom prst="rect">
             <a:avLst/>
